--- a/CSharper_Inheritance.pptx
+++ b/CSharper_Inheritance.pptx
@@ -2272,7 +2272,7 @@
               <a:defRPr/>
             </a:pPr>
             <a:r>
-              <a:rPr lang="en-US" altLang="zh-TW"/>
+              <a:rPr lang="en-US" altLang="zh-TW" dirty="0"/>
               <a:t>interface &gt; method</a:t>
             </a:r>
           </a:p>
@@ -2281,7 +2281,7 @@
               <a:buAutoNum type="arabicPeriod"/>
             </a:pPr>
             <a:r>
-              <a:rPr lang="en-US" altLang="zh-TW"/>
+              <a:rPr lang="en-US" altLang="zh-TW" dirty="0"/>
               <a:t>class &gt; method</a:t>
             </a:r>
           </a:p>
@@ -2290,16 +2290,56 @@
               <a:buAutoNum type="arabicPeriod"/>
             </a:pPr>
             <a:r>
-              <a:rPr lang="zh-TW" altLang="en-US"/>
+              <a:rPr lang="zh-TW" altLang="en-US" dirty="0"/>
               <a:t>怎麼做才能呼叫？</a:t>
             </a:r>
-            <a:endParaRPr lang="en-US" altLang="zh-TW"/>
+            <a:endParaRPr lang="en-US" altLang="zh-TW" dirty="0"/>
+          </a:p>
+          <a:p>
+            <a:pPr marL="228600" marR="0" lvl="0" indent="-228600" algn="l" defTabSz="914400" rtl="0" eaLnBrk="1" fontAlgn="auto" latinLnBrk="0" hangingPunct="1">
+              <a:lnSpc>
+                <a:spcPct val="100000"/>
+              </a:lnSpc>
+              <a:spcBef>
+                <a:spcPts val="0"/>
+              </a:spcBef>
+              <a:spcAft>
+                <a:spcPts val="0"/>
+              </a:spcAft>
+              <a:buClrTx/>
+              <a:buSzTx/>
+              <a:buFontTx/>
+              <a:buAutoNum type="arabicPeriod"/>
+              <a:tabLst/>
+              <a:defRPr/>
+            </a:pPr>
+            <a:r>
+              <a:rPr lang="en-US" altLang="zh-TW" dirty="0" err="1">
+                <a:solidFill>
+                  <a:srgbClr val="4DC9B0"/>
+                </a:solidFill>
+                <a:effectLst/>
+              </a:rPr>
+              <a:t>InterfaceExercise</a:t>
+            </a:r>
+            <a:endParaRPr lang="en-US" altLang="zh-TW" dirty="0">
+              <a:solidFill>
+                <a:srgbClr val="DCDCDC"/>
+              </a:solidFill>
+              <a:effectLst/>
+            </a:endParaRPr>
+          </a:p>
+          <a:p>
+            <a:pPr marL="228600" lvl="0" indent="-228600">
+              <a:buAutoNum type="arabicPeriod"/>
+            </a:pPr>
+            <a:endParaRPr lang="en-US" altLang="zh-TW" dirty="0"/>
           </a:p>
           <a:p>
             <a:pPr marL="228600" indent="-228600">
               <a:buAutoNum type="arabicPeriod"/>
             </a:pPr>
-            <a:endParaRPr lang="en-US" altLang="zh-TW"/>
+            <a:endParaRPr lang="en-US" altLang="zh-TW" dirty="0"/>
           </a:p>
         </p:txBody>
       </p:sp>
@@ -3668,11 +3708,11 @@
               <a:buAutoNum type="arabicPeriod"/>
             </a:pPr>
             <a:r>
-              <a:rPr lang="zh-TW" altLang="en-US"/>
+              <a:rPr lang="zh-TW" altLang="en-US" dirty="0"/>
               <a:t>同時要包含</a:t>
             </a:r>
             <a:r>
-              <a:rPr lang="en-US" altLang="zh-TW"/>
+              <a:rPr lang="en-US" altLang="zh-TW" dirty="0"/>
               <a:t>override(Method)</a:t>
             </a:r>
           </a:p>
@@ -3681,27 +3721,67 @@
               <a:buAutoNum type="arabicPeriod"/>
             </a:pPr>
             <a:r>
-              <a:rPr lang="en-US" altLang="zh-TW"/>
+              <a:rPr lang="en-US" altLang="zh-TW" dirty="0"/>
               <a:t>method</a:t>
             </a:r>
             <a:r>
-              <a:rPr lang="zh-TW" altLang="en-US"/>
+              <a:rPr lang="zh-TW" altLang="en-US" dirty="0"/>
               <a:t>上</a:t>
             </a:r>
-            <a:endParaRPr lang="en-US" altLang="zh-TW"/>
+            <a:endParaRPr lang="en-US" altLang="zh-TW" dirty="0"/>
           </a:p>
           <a:p>
             <a:pPr marL="228600" indent="-228600">
               <a:buAutoNum type="arabicPeriod"/>
             </a:pPr>
             <a:r>
-              <a:rPr lang="en-US" altLang="zh-TW"/>
+              <a:rPr lang="en-US" altLang="zh-TW" dirty="0"/>
               <a:t>class</a:t>
             </a:r>
             <a:r>
-              <a:rPr lang="zh-TW" altLang="en-US"/>
+              <a:rPr lang="zh-TW" altLang="en-US" dirty="0"/>
               <a:t>上</a:t>
             </a:r>
+            <a:endParaRPr lang="en-US" altLang="zh-TW" dirty="0"/>
+          </a:p>
+          <a:p>
+            <a:pPr marL="228600" marR="0" lvl="0" indent="-228600" algn="l" defTabSz="914400" rtl="0" eaLnBrk="1" fontAlgn="auto" latinLnBrk="0" hangingPunct="1">
+              <a:lnSpc>
+                <a:spcPct val="100000"/>
+              </a:lnSpc>
+              <a:spcBef>
+                <a:spcPts val="0"/>
+              </a:spcBef>
+              <a:spcAft>
+                <a:spcPts val="0"/>
+              </a:spcAft>
+              <a:buClrTx/>
+              <a:buSzTx/>
+              <a:buFontTx/>
+              <a:buAutoNum type="arabicPeriod"/>
+              <a:tabLst/>
+              <a:defRPr/>
+            </a:pPr>
+            <a:r>
+              <a:rPr lang="en-US" altLang="zh-TW" dirty="0" err="1">
+                <a:solidFill>
+                  <a:srgbClr val="4DC9B0"/>
+                </a:solidFill>
+                <a:effectLst/>
+              </a:rPr>
+              <a:t>AbstractExercise</a:t>
+            </a:r>
+            <a:endParaRPr lang="en-US" altLang="zh-TW">
+              <a:solidFill>
+                <a:srgbClr val="DCDCDC"/>
+              </a:solidFill>
+              <a:effectLst/>
+            </a:endParaRPr>
+          </a:p>
+          <a:p>
+            <a:pPr marL="228600" indent="-228600">
+              <a:buAutoNum type="arabicPeriod"/>
+            </a:pPr>
             <a:endParaRPr lang="en-US" altLang="zh-TW"/>
           </a:p>
         </p:txBody>
